--- a/social_network_methods/ementa/figura.pptx
+++ b/social_network_methods/ementa/figura.pptx
@@ -288,7 +288,8 @@
           <a:p>
             <a:fld id="{7579EF8B-FB41-468B-9B64-E0EB995E5DD8}" type="datetimeFigureOut">
               <a:rPr lang="pt-BR" smtClean="0"/>
-              <a:t>30/09/2022</a:t>
+              <a:pPr/>
+              <a:t>04/10/2022</a:t>
             </a:fld>
             <a:endParaRPr lang="pt-BR"/>
           </a:p>
@@ -330,6 +331,7 @@
           <a:p>
             <a:fld id="{3A89DBED-95F6-41D3-B4B5-EB798DFC1DCF}" type="slidenum">
               <a:rPr lang="pt-BR" smtClean="0"/>
+              <a:pPr/>
               <a:t>‹nº›</a:t>
             </a:fld>
             <a:endParaRPr lang="pt-BR"/>
@@ -453,7 +455,8 @@
           <a:p>
             <a:fld id="{7579EF8B-FB41-468B-9B64-E0EB995E5DD8}" type="datetimeFigureOut">
               <a:rPr lang="pt-BR" smtClean="0"/>
-              <a:t>30/09/2022</a:t>
+              <a:pPr/>
+              <a:t>04/10/2022</a:t>
             </a:fld>
             <a:endParaRPr lang="pt-BR"/>
           </a:p>
@@ -495,6 +498,7 @@
           <a:p>
             <a:fld id="{3A89DBED-95F6-41D3-B4B5-EB798DFC1DCF}" type="slidenum">
               <a:rPr lang="pt-BR" smtClean="0"/>
+              <a:pPr/>
               <a:t>‹nº›</a:t>
             </a:fld>
             <a:endParaRPr lang="pt-BR"/>
@@ -628,7 +632,8 @@
           <a:p>
             <a:fld id="{7579EF8B-FB41-468B-9B64-E0EB995E5DD8}" type="datetimeFigureOut">
               <a:rPr lang="pt-BR" smtClean="0"/>
-              <a:t>30/09/2022</a:t>
+              <a:pPr/>
+              <a:t>04/10/2022</a:t>
             </a:fld>
             <a:endParaRPr lang="pt-BR"/>
           </a:p>
@@ -670,6 +675,7 @@
           <a:p>
             <a:fld id="{3A89DBED-95F6-41D3-B4B5-EB798DFC1DCF}" type="slidenum">
               <a:rPr lang="pt-BR" smtClean="0"/>
+              <a:pPr/>
               <a:t>‹nº›</a:t>
             </a:fld>
             <a:endParaRPr lang="pt-BR"/>
@@ -793,7 +799,8 @@
           <a:p>
             <a:fld id="{7579EF8B-FB41-468B-9B64-E0EB995E5DD8}" type="datetimeFigureOut">
               <a:rPr lang="pt-BR" smtClean="0"/>
-              <a:t>30/09/2022</a:t>
+              <a:pPr/>
+              <a:t>04/10/2022</a:t>
             </a:fld>
             <a:endParaRPr lang="pt-BR"/>
           </a:p>
@@ -835,6 +842,7 @@
           <a:p>
             <a:fld id="{3A89DBED-95F6-41D3-B4B5-EB798DFC1DCF}" type="slidenum">
               <a:rPr lang="pt-BR" smtClean="0"/>
+              <a:pPr/>
               <a:t>‹nº›</a:t>
             </a:fld>
             <a:endParaRPr lang="pt-BR"/>
@@ -1034,7 +1042,8 @@
           <a:p>
             <a:fld id="{7579EF8B-FB41-468B-9B64-E0EB995E5DD8}" type="datetimeFigureOut">
               <a:rPr lang="pt-BR" smtClean="0"/>
-              <a:t>30/09/2022</a:t>
+              <a:pPr/>
+              <a:t>04/10/2022</a:t>
             </a:fld>
             <a:endParaRPr lang="pt-BR"/>
           </a:p>
@@ -1076,6 +1085,7 @@
           <a:p>
             <a:fld id="{3A89DBED-95F6-41D3-B4B5-EB798DFC1DCF}" type="slidenum">
               <a:rPr lang="pt-BR" smtClean="0"/>
+              <a:pPr/>
               <a:t>‹nº›</a:t>
             </a:fld>
             <a:endParaRPr lang="pt-BR"/>
@@ -1317,7 +1327,8 @@
           <a:p>
             <a:fld id="{7579EF8B-FB41-468B-9B64-E0EB995E5DD8}" type="datetimeFigureOut">
               <a:rPr lang="pt-BR" smtClean="0"/>
-              <a:t>30/09/2022</a:t>
+              <a:pPr/>
+              <a:t>04/10/2022</a:t>
             </a:fld>
             <a:endParaRPr lang="pt-BR"/>
           </a:p>
@@ -1359,6 +1370,7 @@
           <a:p>
             <a:fld id="{3A89DBED-95F6-41D3-B4B5-EB798DFC1DCF}" type="slidenum">
               <a:rPr lang="pt-BR" smtClean="0"/>
+              <a:pPr/>
               <a:t>‹nº›</a:t>
             </a:fld>
             <a:endParaRPr lang="pt-BR"/>
@@ -1734,7 +1746,8 @@
           <a:p>
             <a:fld id="{7579EF8B-FB41-468B-9B64-E0EB995E5DD8}" type="datetimeFigureOut">
               <a:rPr lang="pt-BR" smtClean="0"/>
-              <a:t>30/09/2022</a:t>
+              <a:pPr/>
+              <a:t>04/10/2022</a:t>
             </a:fld>
             <a:endParaRPr lang="pt-BR"/>
           </a:p>
@@ -1776,6 +1789,7 @@
           <a:p>
             <a:fld id="{3A89DBED-95F6-41D3-B4B5-EB798DFC1DCF}" type="slidenum">
               <a:rPr lang="pt-BR" smtClean="0"/>
+              <a:pPr/>
               <a:t>‹nº›</a:t>
             </a:fld>
             <a:endParaRPr lang="pt-BR"/>
@@ -1847,7 +1861,8 @@
           <a:p>
             <a:fld id="{7579EF8B-FB41-468B-9B64-E0EB995E5DD8}" type="datetimeFigureOut">
               <a:rPr lang="pt-BR" smtClean="0"/>
-              <a:t>30/09/2022</a:t>
+              <a:pPr/>
+              <a:t>04/10/2022</a:t>
             </a:fld>
             <a:endParaRPr lang="pt-BR"/>
           </a:p>
@@ -1889,6 +1904,7 @@
           <a:p>
             <a:fld id="{3A89DBED-95F6-41D3-B4B5-EB798DFC1DCF}" type="slidenum">
               <a:rPr lang="pt-BR" smtClean="0"/>
+              <a:pPr/>
               <a:t>‹nº›</a:t>
             </a:fld>
             <a:endParaRPr lang="pt-BR"/>
@@ -1937,7 +1953,8 @@
           <a:p>
             <a:fld id="{7579EF8B-FB41-468B-9B64-E0EB995E5DD8}" type="datetimeFigureOut">
               <a:rPr lang="pt-BR" smtClean="0"/>
-              <a:t>30/09/2022</a:t>
+              <a:pPr/>
+              <a:t>04/10/2022</a:t>
             </a:fld>
             <a:endParaRPr lang="pt-BR"/>
           </a:p>
@@ -1979,6 +1996,7 @@
           <a:p>
             <a:fld id="{3A89DBED-95F6-41D3-B4B5-EB798DFC1DCF}" type="slidenum">
               <a:rPr lang="pt-BR" smtClean="0"/>
+              <a:pPr/>
               <a:t>‹nº›</a:t>
             </a:fld>
             <a:endParaRPr lang="pt-BR"/>
@@ -2209,7 +2227,8 @@
           <a:p>
             <a:fld id="{7579EF8B-FB41-468B-9B64-E0EB995E5DD8}" type="datetimeFigureOut">
               <a:rPr lang="pt-BR" smtClean="0"/>
-              <a:t>30/09/2022</a:t>
+              <a:pPr/>
+              <a:t>04/10/2022</a:t>
             </a:fld>
             <a:endParaRPr lang="pt-BR"/>
           </a:p>
@@ -2251,6 +2270,7 @@
           <a:p>
             <a:fld id="{3A89DBED-95F6-41D3-B4B5-EB798DFC1DCF}" type="slidenum">
               <a:rPr lang="pt-BR" smtClean="0"/>
+              <a:pPr/>
               <a:t>‹nº›</a:t>
             </a:fld>
             <a:endParaRPr lang="pt-BR"/>
@@ -2457,7 +2477,8 @@
           <a:p>
             <a:fld id="{7579EF8B-FB41-468B-9B64-E0EB995E5DD8}" type="datetimeFigureOut">
               <a:rPr lang="pt-BR" smtClean="0"/>
-              <a:t>30/09/2022</a:t>
+              <a:pPr/>
+              <a:t>04/10/2022</a:t>
             </a:fld>
             <a:endParaRPr lang="pt-BR"/>
           </a:p>
@@ -2499,6 +2520,7 @@
           <a:p>
             <a:fld id="{3A89DBED-95F6-41D3-B4B5-EB798DFC1DCF}" type="slidenum">
               <a:rPr lang="pt-BR" smtClean="0"/>
+              <a:pPr/>
               <a:t>‹nº›</a:t>
             </a:fld>
             <a:endParaRPr lang="pt-BR"/>
@@ -2517,9 +2539,14 @@
 <p:sldMaster xmlns:a="http://schemas.openxmlformats.org/drawingml/2006/main" xmlns:r="http://schemas.openxmlformats.org/officeDocument/2006/relationships" xmlns:p="http://schemas.openxmlformats.org/presentationml/2006/main">
   <p:cSld>
     <p:bg>
-      <p:bgRef idx="1001">
-        <a:schemeClr val="bg1"/>
-      </p:bgRef>
+      <p:bgPr>
+        <a:solidFill>
+          <a:schemeClr val="bg1">
+            <a:lumMod val="95000"/>
+          </a:schemeClr>
+        </a:solidFill>
+        <a:effectLst/>
+      </p:bgPr>
     </p:bg>
     <p:spTree>
       <p:nvGrpSpPr>
@@ -2665,7 +2692,8 @@
           <a:p>
             <a:fld id="{7579EF8B-FB41-468B-9B64-E0EB995E5DD8}" type="datetimeFigureOut">
               <a:rPr lang="pt-BR" smtClean="0"/>
-              <a:t>30/09/2022</a:t>
+              <a:pPr/>
+              <a:t>04/10/2022</a:t>
             </a:fld>
             <a:endParaRPr lang="pt-BR"/>
           </a:p>
@@ -2743,6 +2771,7 @@
           <a:p>
             <a:fld id="{3A89DBED-95F6-41D3-B4B5-EB798DFC1DCF}" type="slidenum">
               <a:rPr lang="pt-BR" smtClean="0"/>
+              <a:pPr/>
               <a:t>‹nº›</a:t>
             </a:fld>
             <a:endParaRPr lang="pt-BR"/>
@@ -3037,16 +3066,16 @@
       </p:grpSpPr>
       <p:grpSp>
         <p:nvGrpSpPr>
-          <p:cNvPr id="7" name="Grupo 6"/>
+          <p:cNvPr id="9" name="Grupo 8"/>
           <p:cNvGrpSpPr/>
           <p:nvPr/>
         </p:nvGrpSpPr>
         <p:grpSpPr>
           <a:xfrm>
-            <a:off x="0" y="0"/>
-            <a:ext cx="9144000" cy="2924944"/>
-            <a:chOff x="0" y="0"/>
-            <a:chExt cx="9144000" cy="2924944"/>
+            <a:off x="-396552" y="216024"/>
+            <a:ext cx="9865096" cy="1772816"/>
+            <a:chOff x="143000" y="504056"/>
+            <a:chExt cx="9865096" cy="1772816"/>
           </a:xfrm>
         </p:grpSpPr>
         <p:sp>
@@ -3057,8 +3086,8 @@
           </p:nvSpPr>
           <p:spPr>
             <a:xfrm>
-              <a:off x="0" y="0"/>
-              <a:ext cx="9144000" cy="2924944"/>
+              <a:off x="143000" y="504056"/>
+              <a:ext cx="9865096" cy="1772816"/>
             </a:xfrm>
             <a:prstGeom prst="rect">
               <a:avLst/>
@@ -3095,54 +3124,95 @@
             </a:p>
           </p:txBody>
         </p:sp>
-        <p:pic>
-          <p:nvPicPr>
-            <p:cNvPr id="4" name="Imagem 3" descr="ecopol.png"/>
-            <p:cNvPicPr>
-              <a:picLocks noChangeAspect="1"/>
-            </p:cNvPicPr>
+        <p:grpSp>
+          <p:nvGrpSpPr>
+            <p:cNvPr id="8" name="Grupo 7"/>
+            <p:cNvGrpSpPr/>
             <p:nvPr/>
-          </p:nvPicPr>
-          <p:blipFill>
-            <a:blip r:embed="rId2" cstate="print"/>
-            <a:stretch>
-              <a:fillRect/>
-            </a:stretch>
-          </p:blipFill>
-          <p:spPr>
+          </p:nvGrpSpPr>
+          <p:grpSpPr>
             <a:xfrm>
-              <a:off x="395536" y="0"/>
-              <a:ext cx="2843808" cy="2843808"/>
+              <a:off x="456891" y="692696"/>
+              <a:ext cx="9144000" cy="1507615"/>
+              <a:chOff x="456891" y="692696"/>
+              <a:chExt cx="9144000" cy="1507615"/>
             </a:xfrm>
-            <a:prstGeom prst="rect">
-              <a:avLst/>
-            </a:prstGeom>
-          </p:spPr>
-        </p:pic>
-        <p:pic>
-          <p:nvPicPr>
-            <p:cNvPr id="5" name="Imagem 4" descr="datauniriologo.png"/>
-            <p:cNvPicPr>
-              <a:picLocks noChangeAspect="1"/>
-            </p:cNvPicPr>
-            <p:nvPr/>
-          </p:nvPicPr>
-          <p:blipFill>
-            <a:blip r:embed="rId3" cstate="print"/>
-            <a:stretch>
-              <a:fillRect/>
-            </a:stretch>
-          </p:blipFill>
-          <p:spPr>
-            <a:xfrm>
-              <a:off x="4067944" y="548680"/>
-              <a:ext cx="4788024" cy="1794882"/>
-            </a:xfrm>
-            <a:prstGeom prst="rect">
-              <a:avLst/>
-            </a:prstGeom>
-          </p:spPr>
-        </p:pic>
+          </p:grpSpPr>
+          <p:pic>
+            <p:nvPicPr>
+              <p:cNvPr id="4" name="Imagem 3" descr="ecopol.png"/>
+              <p:cNvPicPr>
+                <a:picLocks noChangeAspect="1"/>
+              </p:cNvPicPr>
+              <p:nvPr/>
+            </p:nvPicPr>
+            <p:blipFill>
+              <a:blip r:embed="rId2" cstate="print"/>
+              <a:stretch>
+                <a:fillRect/>
+              </a:stretch>
+            </p:blipFill>
+            <p:spPr>
+              <a:xfrm>
+                <a:off x="4324017" y="692696"/>
+                <a:ext cx="1507615" cy="1507615"/>
+              </a:xfrm>
+              <a:prstGeom prst="rect">
+                <a:avLst/>
+              </a:prstGeom>
+            </p:spPr>
+          </p:pic>
+          <p:pic>
+            <p:nvPicPr>
+              <p:cNvPr id="5" name="Imagem 4" descr="datauniriologo.png"/>
+              <p:cNvPicPr>
+                <a:picLocks noChangeAspect="1"/>
+              </p:cNvPicPr>
+              <p:nvPr/>
+            </p:nvPicPr>
+            <p:blipFill>
+              <a:blip r:embed="rId3" cstate="print"/>
+              <a:stretch>
+                <a:fillRect/>
+              </a:stretch>
+            </p:blipFill>
+            <p:spPr>
+              <a:xfrm>
+                <a:off x="6973107" y="852029"/>
+                <a:ext cx="2627784" cy="985075"/>
+              </a:xfrm>
+              <a:prstGeom prst="rect">
+                <a:avLst/>
+              </a:prstGeom>
+            </p:spPr>
+          </p:pic>
+          <p:pic>
+            <p:nvPicPr>
+              <p:cNvPr id="1026" name="Picture 2" descr="https://encrypted-tbn0.gstatic.com/images?q=tbn:ANd9GcTlF4SBFwQ2OtRMlkYGIDJYEkV3i-J6Bp2E1Vm_HXbU9g&amp;s"/>
+              <p:cNvPicPr>
+                <a:picLocks noChangeAspect="1" noChangeArrowheads="1"/>
+              </p:cNvPicPr>
+              <p:nvPr/>
+            </p:nvPicPr>
+            <p:blipFill>
+              <a:blip r:embed="rId4" cstate="print"/>
+              <a:srcRect/>
+              <a:stretch>
+                <a:fillRect/>
+              </a:stretch>
+            </p:blipFill>
+            <p:spPr bwMode="auto">
+              <a:xfrm>
+                <a:off x="456891" y="764704"/>
+                <a:ext cx="2771800" cy="1250218"/>
+              </a:xfrm>
+              <a:prstGeom prst="rect">
+                <a:avLst/>
+              </a:prstGeom>
+              <a:noFill/>
+            </p:spPr>
+          </p:pic>
+        </p:grpSp>
       </p:grpSp>
     </p:spTree>
   </p:cSld>
